--- a/seminar_presentation_lancet.pptx
+++ b/seminar_presentation_lancet.pptx
@@ -22,9 +22,9 @@
     <p:sldId id="270" r:id="rId16"/>
     <p:sldId id="271" r:id="rId17"/>
     <p:sldId id="272" r:id="rId18"/>
-    <p:sldId id="273" r:id="rId19"/>
-    <p:sldId id="291" r:id="rId20"/>
-    <p:sldId id="292" r:id="rId21"/>
+    <p:sldId id="291" r:id="rId19"/>
+    <p:sldId id="292" r:id="rId20"/>
+    <p:sldId id="273" r:id="rId21"/>
     <p:sldId id="293" r:id="rId22"/>
     <p:sldId id="294" r:id="rId23"/>
     <p:sldId id="295" r:id="rId24"/>
@@ -4184,83 +4184,6 @@
           <a:chExt cx="0" cy="0"/>
         </a:xfrm>
       </p:grpSpPr>
-      <p:sp>
-        <p:nvSpPr>
-          <p:cNvPr id="2" name="Title 1"/>
-          <p:cNvSpPr>
-            <a:spLocks noGrp="1"/>
-          </p:cNvSpPr>
-          <p:nvPr>
-            <p:ph type="title"/>
-          </p:nvPr>
-        </p:nvSpPr>
-        <p:spPr/>
-        <p:txBody>
-          <a:bodyPr/>
-          <a:lstStyle/>
-          <a:p>
-            <a:r>
-              <a:t>Indian Socio-Cultural Context</a:t>
-            </a:r>
-          </a:p>
-        </p:txBody>
-      </p:sp>
-      <p:sp>
-        <p:nvSpPr>
-          <p:cNvPr id="3" name="Content Placeholder 2"/>
-          <p:cNvSpPr>
-            <a:spLocks noGrp="1"/>
-          </p:cNvSpPr>
-          <p:nvPr>
-            <p:ph idx="1"/>
-          </p:nvPr>
-        </p:nvSpPr>
-        <p:spPr/>
-        <p:txBody>
-          <a:bodyPr/>
-          <a:lstStyle/>
-          <a:p>
-            <a:r>
-              <a:t>India's diversity in culture, religion, and geography amplifies determinant effects.</a:t>
-            </a:r>
-          </a:p>
-          <a:p>
-            <a:r>
-              <a:t>Urbanization and migration create new health challenges like stress-related disorders.</a:t>
-            </a:r>
-          </a:p>
-          <a:p>
-            <a:r>
-              <a:t>Government programs address these through integrated approaches.</a:t>
-            </a:r>
-          </a:p>
-        </p:txBody>
-      </p:sp>
-    </p:spTree>
-  </p:cSld>
-  <p:clrMapOvr>
-    <a:masterClrMapping/>
-  </p:clrMapOvr>
-</p:sld>
-</file>
-
-<file path=ppt/slides/slide19.xml><?xml version="1.0" encoding="utf-8"?>
-<p:sld xmlns:a="http://schemas.openxmlformats.org/drawingml/2006/main" xmlns:r="http://schemas.openxmlformats.org/officeDocument/2006/relationships" xmlns:p="http://schemas.openxmlformats.org/presentationml/2006/main">
-  <p:cSld>
-    <p:spTree>
-      <p:nvGrpSpPr>
-        <p:cNvPr id="1" name=""/>
-        <p:cNvGrpSpPr/>
-        <p:nvPr/>
-      </p:nvGrpSpPr>
-      <p:grpSpPr>
-        <a:xfrm>
-          <a:off x="0" y="0"/>
-          <a:ext cx="0" cy="0"/>
-          <a:chOff x="0" y="0"/>
-          <a:chExt cx="0" cy="0"/>
-        </a:xfrm>
-      </p:grpSpPr>
       <p:pic>
         <p:nvPicPr>
           <p:cNvPr id="2" name="Picture 1">
@@ -4304,121 +4227,7 @@
 </p:sld>
 </file>
 
-<file path=ppt/slides/slide2.xml><?xml version="1.0" encoding="utf-8"?>
-<p:sld xmlns:a="http://schemas.openxmlformats.org/drawingml/2006/main" xmlns:r="http://schemas.openxmlformats.org/officeDocument/2006/relationships" xmlns:p="http://schemas.openxmlformats.org/presentationml/2006/main">
-  <p:cSld>
-    <p:spTree>
-      <p:nvGrpSpPr>
-        <p:cNvPr id="1" name=""/>
-        <p:cNvGrpSpPr/>
-        <p:nvPr/>
-      </p:nvGrpSpPr>
-      <p:grpSpPr>
-        <a:xfrm>
-          <a:off x="0" y="0"/>
-          <a:ext cx="0" cy="0"/>
-          <a:chOff x="0" y="0"/>
-          <a:chExt cx="0" cy="0"/>
-        </a:xfrm>
-      </p:grpSpPr>
-      <p:sp>
-        <p:nvSpPr>
-          <p:cNvPr id="2" name="Title 1"/>
-          <p:cNvSpPr>
-            <a:spLocks noGrp="1"/>
-          </p:cNvSpPr>
-          <p:nvPr>
-            <p:ph type="title"/>
-          </p:nvPr>
-        </p:nvSpPr>
-        <p:spPr/>
-        <p:txBody>
-          <a:bodyPr/>
-          <a:lstStyle/>
-          <a:p>
-            <a:r>
-              <a:t>Session Learning Objectives</a:t>
-            </a:r>
-          </a:p>
-        </p:txBody>
-      </p:sp>
-      <p:sp>
-        <p:nvSpPr>
-          <p:cNvPr id="3" name="Content Placeholder 2"/>
-          <p:cNvSpPr>
-            <a:spLocks noGrp="1"/>
-          </p:cNvSpPr>
-          <p:nvPr>
-            <p:ph idx="1"/>
-          </p:nvPr>
-        </p:nvSpPr>
-        <p:spPr>
-          <a:xfrm>
-            <a:off x="602673" y="1417638"/>
-            <a:ext cx="8229600" cy="4525963"/>
-          </a:xfrm>
-        </p:spPr>
-        <p:txBody>
-          <a:bodyPr>
-            <a:normAutofit fontScale="92500" lnSpcReduction="20000"/>
-          </a:bodyPr>
-          <a:lstStyle/>
-          <a:p>
-            <a:pPr marL="0" indent="0">
-              <a:buNone/>
-            </a:pPr>
-            <a:r>
-              <a:rPr dirty="0"/>
-              <a:t>• Define and differentiate social and cultural determinants of health.</a:t>
-            </a:r>
-          </a:p>
-          <a:p>
-            <a:pPr marL="0" indent="0">
-              <a:buNone/>
-            </a:pPr>
-            <a:r>
-              <a:rPr dirty="0"/>
-              <a:t>• Analyze the impact of these determinants on health outcomes using evidence-based data.</a:t>
-            </a:r>
-          </a:p>
-          <a:p>
-            <a:pPr marL="0" indent="0">
-              <a:buNone/>
-            </a:pPr>
-            <a:r>
-              <a:rPr dirty="0"/>
-              <a:t>• Evaluate Indian-specific contexts and government interventions.</a:t>
-            </a:r>
-          </a:p>
-          <a:p>
-            <a:pPr marL="0" indent="0">
-              <a:buNone/>
-            </a:pPr>
-            <a:r>
-              <a:rPr dirty="0"/>
-              <a:t>• Synthesize findings from high-impact research, including the Lancet Commission, to propose actionable recommendations.</a:t>
-            </a:r>
-          </a:p>
-          <a:p>
-            <a:pPr marL="0" indent="0">
-              <a:buNone/>
-            </a:pPr>
-            <a:r>
-              <a:rPr dirty="0"/>
-              <a:t>• Engage in discussions on policy implications for community medicine.</a:t>
-            </a:r>
-          </a:p>
-        </p:txBody>
-      </p:sp>
-    </p:spTree>
-  </p:cSld>
-  <p:clrMapOvr>
-    <a:masterClrMapping/>
-  </p:clrMapOvr>
-</p:sld>
-</file>
-
-<file path=ppt/slides/slide20.xml><?xml version="1.0" encoding="utf-8"?>
+<file path=ppt/slides/slide19.xml><?xml version="1.0" encoding="utf-8"?>
 <p:sld xmlns:a="http://schemas.openxmlformats.org/drawingml/2006/main" xmlns:r="http://schemas.openxmlformats.org/officeDocument/2006/relationships" xmlns:p="http://schemas.openxmlformats.org/presentationml/2006/main">
   <p:cSld>
     <p:spTree>
@@ -4471,6 +4280,197 @@
         <p14:creationId xmlns:p14="http://schemas.microsoft.com/office/powerpoint/2010/main" val="1631739370"/>
       </p:ext>
     </p:extLst>
+  </p:cSld>
+  <p:clrMapOvr>
+    <a:masterClrMapping/>
+  </p:clrMapOvr>
+</p:sld>
+</file>
+
+<file path=ppt/slides/slide2.xml><?xml version="1.0" encoding="utf-8"?>
+<p:sld xmlns:a="http://schemas.openxmlformats.org/drawingml/2006/main" xmlns:r="http://schemas.openxmlformats.org/officeDocument/2006/relationships" xmlns:p="http://schemas.openxmlformats.org/presentationml/2006/main">
+  <p:cSld>
+    <p:spTree>
+      <p:nvGrpSpPr>
+        <p:cNvPr id="1" name=""/>
+        <p:cNvGrpSpPr/>
+        <p:nvPr/>
+      </p:nvGrpSpPr>
+      <p:grpSpPr>
+        <a:xfrm>
+          <a:off x="0" y="0"/>
+          <a:ext cx="0" cy="0"/>
+          <a:chOff x="0" y="0"/>
+          <a:chExt cx="0" cy="0"/>
+        </a:xfrm>
+      </p:grpSpPr>
+      <p:sp>
+        <p:nvSpPr>
+          <p:cNvPr id="2" name="Title 1"/>
+          <p:cNvSpPr>
+            <a:spLocks noGrp="1"/>
+          </p:cNvSpPr>
+          <p:nvPr>
+            <p:ph type="title"/>
+          </p:nvPr>
+        </p:nvSpPr>
+        <p:spPr/>
+        <p:txBody>
+          <a:bodyPr/>
+          <a:lstStyle/>
+          <a:p>
+            <a:r>
+              <a:t>Session Learning Objectives</a:t>
+            </a:r>
+          </a:p>
+        </p:txBody>
+      </p:sp>
+      <p:sp>
+        <p:nvSpPr>
+          <p:cNvPr id="3" name="Content Placeholder 2"/>
+          <p:cNvSpPr>
+            <a:spLocks noGrp="1"/>
+          </p:cNvSpPr>
+          <p:nvPr>
+            <p:ph idx="1"/>
+          </p:nvPr>
+        </p:nvSpPr>
+        <p:spPr>
+          <a:xfrm>
+            <a:off x="602673" y="1417638"/>
+            <a:ext cx="8229600" cy="4525963"/>
+          </a:xfrm>
+        </p:spPr>
+        <p:txBody>
+          <a:bodyPr>
+            <a:normAutofit fontScale="92500" lnSpcReduction="20000"/>
+          </a:bodyPr>
+          <a:lstStyle/>
+          <a:p>
+            <a:pPr marL="0" indent="0">
+              <a:buNone/>
+            </a:pPr>
+            <a:r>
+              <a:rPr dirty="0"/>
+              <a:t>• Define and differentiate social and cultural determinants of health.</a:t>
+            </a:r>
+          </a:p>
+          <a:p>
+            <a:pPr marL="0" indent="0">
+              <a:buNone/>
+            </a:pPr>
+            <a:r>
+              <a:rPr dirty="0"/>
+              <a:t>• Analyze the impact of these determinants on health outcomes using evidence-based data.</a:t>
+            </a:r>
+          </a:p>
+          <a:p>
+            <a:pPr marL="0" indent="0">
+              <a:buNone/>
+            </a:pPr>
+            <a:r>
+              <a:rPr dirty="0"/>
+              <a:t>• Evaluate Indian-specific contexts and government interventions.</a:t>
+            </a:r>
+          </a:p>
+          <a:p>
+            <a:pPr marL="0" indent="0">
+              <a:buNone/>
+            </a:pPr>
+            <a:r>
+              <a:rPr dirty="0"/>
+              <a:t>• Synthesize findings from high-impact research, including the Lancet Commission, to propose actionable recommendations.</a:t>
+            </a:r>
+          </a:p>
+          <a:p>
+            <a:pPr marL="0" indent="0">
+              <a:buNone/>
+            </a:pPr>
+            <a:r>
+              <a:rPr dirty="0"/>
+              <a:t>• Engage in discussions on policy implications for community medicine.</a:t>
+            </a:r>
+          </a:p>
+        </p:txBody>
+      </p:sp>
+    </p:spTree>
+  </p:cSld>
+  <p:clrMapOvr>
+    <a:masterClrMapping/>
+  </p:clrMapOvr>
+</p:sld>
+</file>
+
+<file path=ppt/slides/slide20.xml><?xml version="1.0" encoding="utf-8"?>
+<p:sld xmlns:a="http://schemas.openxmlformats.org/drawingml/2006/main" xmlns:r="http://schemas.openxmlformats.org/officeDocument/2006/relationships" xmlns:p="http://schemas.openxmlformats.org/presentationml/2006/main">
+  <p:cSld>
+    <p:spTree>
+      <p:nvGrpSpPr>
+        <p:cNvPr id="1" name=""/>
+        <p:cNvGrpSpPr/>
+        <p:nvPr/>
+      </p:nvGrpSpPr>
+      <p:grpSpPr>
+        <a:xfrm>
+          <a:off x="0" y="0"/>
+          <a:ext cx="0" cy="0"/>
+          <a:chOff x="0" y="0"/>
+          <a:chExt cx="0" cy="0"/>
+        </a:xfrm>
+      </p:grpSpPr>
+      <p:sp>
+        <p:nvSpPr>
+          <p:cNvPr id="2" name="Title 1"/>
+          <p:cNvSpPr>
+            <a:spLocks noGrp="1"/>
+          </p:cNvSpPr>
+          <p:nvPr>
+            <p:ph type="title"/>
+          </p:nvPr>
+        </p:nvSpPr>
+        <p:spPr/>
+        <p:txBody>
+          <a:bodyPr/>
+          <a:lstStyle/>
+          <a:p>
+            <a:r>
+              <a:t>Indian Socio-Cultural Context</a:t>
+            </a:r>
+          </a:p>
+        </p:txBody>
+      </p:sp>
+      <p:sp>
+        <p:nvSpPr>
+          <p:cNvPr id="3" name="Content Placeholder 2"/>
+          <p:cNvSpPr>
+            <a:spLocks noGrp="1"/>
+          </p:cNvSpPr>
+          <p:nvPr>
+            <p:ph idx="1"/>
+          </p:nvPr>
+        </p:nvSpPr>
+        <p:spPr/>
+        <p:txBody>
+          <a:bodyPr/>
+          <a:lstStyle/>
+          <a:p>
+            <a:r>
+              <a:t>India's diversity in culture, religion, and geography amplifies determinant effects.</a:t>
+            </a:r>
+          </a:p>
+          <a:p>
+            <a:r>
+              <a:t>Urbanization and migration create new health challenges like stress-related disorders.</a:t>
+            </a:r>
+          </a:p>
+          <a:p>
+            <a:r>
+              <a:t>Government programs address these through integrated approaches.</a:t>
+            </a:r>
+          </a:p>
+        </p:txBody>
+      </p:sp>
+    </p:spTree>
   </p:cSld>
   <p:clrMapOvr>
     <a:masterClrMapping/>
